--- a/김대겸_프로젝트.pptx
+++ b/김대겸_프로젝트.pptx
@@ -10773,13 +10773,13 @@
   <p:clrMapOvr>
     <a:masterClrMapping/>
   </p:clrMapOvr>
-  <mc:AlternateContent xmlns:mc="http://schemas.openxmlformats.org/markup-compatibility/2006">
-    <mc:Choice xmlns:p159="http://schemas.microsoft.com/office/powerpoint/2015/09/main" Requires="p159">
+  <mc:AlternateContent xmlns:mc="http://schemas.openxmlformats.org/markup-compatibility/2006" xmlns:p159="http://schemas.microsoft.com/office/powerpoint/2015/09/main">
+    <mc:Choice Requires="p159">
       <p:transition xmlns:p14="http://schemas.microsoft.com/office/powerpoint/2010/main" spd="slow" p14:dur="2000">
         <p159:morph option="byObject"/>
       </p:transition>
     </mc:Choice>
-    <mc:Fallback>
+    <mc:Fallback xmlns="">
       <p:transition spd="slow">
         <p:fade/>
       </p:transition>
@@ -11102,13 +11102,13 @@
   <p:clrMapOvr>
     <a:masterClrMapping/>
   </p:clrMapOvr>
-  <mc:AlternateContent xmlns:mc="http://schemas.openxmlformats.org/markup-compatibility/2006">
-    <mc:Choice xmlns:p14="http://schemas.microsoft.com/office/powerpoint/2010/main" Requires="p14">
+  <mc:AlternateContent xmlns:mc="http://schemas.openxmlformats.org/markup-compatibility/2006" xmlns:p14="http://schemas.microsoft.com/office/powerpoint/2010/main">
+    <mc:Choice Requires="p14">
       <p:transition spd="med" p14:dur="700">
         <p:fade/>
       </p:transition>
     </mc:Choice>
-    <mc:Fallback>
+    <mc:Fallback xmlns="">
       <p:transition spd="med">
         <p:fade/>
       </p:transition>
@@ -11225,13 +11225,13 @@
   <p:clrMapOvr>
     <a:masterClrMapping/>
   </p:clrMapOvr>
-  <mc:AlternateContent xmlns:mc="http://schemas.openxmlformats.org/markup-compatibility/2006">
-    <mc:Choice xmlns:p14="http://schemas.microsoft.com/office/powerpoint/2010/main" Requires="p14">
+  <mc:AlternateContent xmlns:mc="http://schemas.openxmlformats.org/markup-compatibility/2006" xmlns:p14="http://schemas.microsoft.com/office/powerpoint/2010/main">
+    <mc:Choice Requires="p14">
       <p:transition spd="med" p14:dur="700">
         <p:fade/>
       </p:transition>
     </mc:Choice>
-    <mc:Fallback>
+    <mc:Fallback xmlns="">
       <p:transition spd="med">
         <p:fade/>
       </p:transition>
@@ -11293,7 +11293,7 @@
                 <a:latin typeface="휴먼둥근헤드라인" panose="02030504000101010101" pitchFamily="18" charset="-127"/>
                 <a:ea typeface="휴먼둥근헤드라인" panose="02030504000101010101" pitchFamily="18" charset="-127"/>
               </a:rPr>
-              <a:t>시현</a:t>
+              <a:t>시연</a:t>
             </a:r>
           </a:p>
         </p:txBody>
@@ -11472,7 +11472,7 @@
           <a:p>
             <a:r>
               <a:rPr lang="ko-KR" altLang="en-US" b="1" dirty="0"/>
-              <a:t>시현</a:t>
+              <a:t>시연</a:t>
             </a:r>
           </a:p>
         </p:txBody>
@@ -11487,13 +11487,13 @@
   <p:clrMapOvr>
     <a:masterClrMapping/>
   </p:clrMapOvr>
-  <mc:AlternateContent xmlns:mc="http://schemas.openxmlformats.org/markup-compatibility/2006">
-    <mc:Choice xmlns:p159="http://schemas.microsoft.com/office/powerpoint/2015/09/main" Requires="p159">
+  <mc:AlternateContent xmlns:mc="http://schemas.openxmlformats.org/markup-compatibility/2006" xmlns:p159="http://schemas.microsoft.com/office/powerpoint/2015/09/main">
+    <mc:Choice Requires="p159">
       <p:transition xmlns:p14="http://schemas.microsoft.com/office/powerpoint/2010/main" spd="slow" p14:dur="2000">
         <p159:morph option="byObject"/>
       </p:transition>
     </mc:Choice>
-    <mc:Fallback>
+    <mc:Fallback xmlns="">
       <p:transition spd="slow">
         <p:fade/>
       </p:transition>
@@ -11758,13 +11758,13 @@
   <p:clrMapOvr>
     <a:masterClrMapping/>
   </p:clrMapOvr>
-  <mc:AlternateContent xmlns:mc="http://schemas.openxmlformats.org/markup-compatibility/2006">
-    <mc:Choice xmlns:p159="http://schemas.microsoft.com/office/powerpoint/2015/09/main" Requires="p159">
+  <mc:AlternateContent xmlns:mc="http://schemas.openxmlformats.org/markup-compatibility/2006" xmlns:p159="http://schemas.microsoft.com/office/powerpoint/2015/09/main">
+    <mc:Choice Requires="p159">
       <p:transition xmlns:p14="http://schemas.microsoft.com/office/powerpoint/2010/main" spd="slow" p14:dur="2000">
         <p159:morph option="byObject"/>
       </p:transition>
     </mc:Choice>
-    <mc:Fallback>
+    <mc:Fallback xmlns="">
       <p:transition spd="slow">
         <p:fade/>
       </p:transition>
@@ -11943,13 +11943,13 @@
   <p:clrMapOvr>
     <a:masterClrMapping/>
   </p:clrMapOvr>
-  <mc:AlternateContent xmlns:mc="http://schemas.openxmlformats.org/markup-compatibility/2006">
-    <mc:Choice xmlns:p159="http://schemas.microsoft.com/office/powerpoint/2015/09/main" Requires="p159">
+  <mc:AlternateContent xmlns:mc="http://schemas.openxmlformats.org/markup-compatibility/2006" xmlns:p159="http://schemas.microsoft.com/office/powerpoint/2015/09/main">
+    <mc:Choice Requires="p159">
       <p:transition xmlns:p14="http://schemas.microsoft.com/office/powerpoint/2010/main" spd="slow" p14:dur="2000">
         <p159:morph option="byObject"/>
       </p:transition>
     </mc:Choice>
-    <mc:Fallback>
+    <mc:Fallback xmlns="">
       <p:transition spd="slow">
         <p:fade/>
       </p:transition>
@@ -12174,13 +12174,13 @@
   <p:clrMapOvr>
     <a:masterClrMapping/>
   </p:clrMapOvr>
-  <mc:AlternateContent xmlns:mc="http://schemas.openxmlformats.org/markup-compatibility/2006">
-    <mc:Choice xmlns:p159="http://schemas.microsoft.com/office/powerpoint/2015/09/main" Requires="p159">
+  <mc:AlternateContent xmlns:mc="http://schemas.openxmlformats.org/markup-compatibility/2006" xmlns:p159="http://schemas.microsoft.com/office/powerpoint/2015/09/main">
+    <mc:Choice Requires="p159">
       <p:transition xmlns:p14="http://schemas.microsoft.com/office/powerpoint/2010/main" spd="slow" p14:dur="2000">
         <p159:morph option="byObject"/>
       </p:transition>
     </mc:Choice>
-    <mc:Fallback>
+    <mc:Fallback xmlns="">
       <p:transition spd="slow">
         <p:fade/>
       </p:transition>
@@ -12541,13 +12541,13 @@
   <p:clrMapOvr>
     <a:masterClrMapping/>
   </p:clrMapOvr>
-  <mc:AlternateContent xmlns:mc="http://schemas.openxmlformats.org/markup-compatibility/2006">
-    <mc:Choice xmlns:p14="http://schemas.microsoft.com/office/powerpoint/2010/main" Requires="p14">
+  <mc:AlternateContent xmlns:mc="http://schemas.openxmlformats.org/markup-compatibility/2006" xmlns:p14="http://schemas.microsoft.com/office/powerpoint/2010/main">
+    <mc:Choice Requires="p14">
       <p:transition spd="med" p14:dur="700">
         <p:fade/>
       </p:transition>
     </mc:Choice>
-    <mc:Fallback>
+    <mc:Fallback xmlns="">
       <p:transition spd="med">
         <p:fade/>
       </p:transition>
@@ -13048,9 +13048,13 @@
             </a:r>
             <a:r>
               <a:rPr lang="en-US" altLang="ko-KR" dirty="0"/>
-              <a:t> body</a:t>
-            </a:r>
-            <a:endParaRPr lang="ko-KR" altLang="en-US" dirty="0"/>
+              <a:t> </a:t>
+            </a:r>
+            <a:r>
+              <a:rPr lang="en-US" altLang="ko-KR" b="1" dirty="0"/>
+              <a:t>body</a:t>
+            </a:r>
+            <a:endParaRPr lang="ko-KR" altLang="en-US" b="1" dirty="0"/>
           </a:p>
         </p:txBody>
       </p:sp>
